--- a/docs/ppt/GEOG0113-004.pptx
+++ b/docs/ppt/GEOG0113-004.pptx
@@ -7120,7 +7120,7 @@
           </p:nvPr>
         </p:nvPicPr>
         <p:blipFill>
-          <a:blip r:embed="rId5"/>
+          <a:blip r:embed="rId3"/>
           <a:srcRect l="-116587" r="-116587"/>
           <a:stretch>
             <a:fillRect/>
@@ -7197,44 +7197,6 @@
           </a:p>
         </p:txBody>
       </p:sp>
-      <p:pic>
-        <p:nvPicPr>
-          <p:cNvPr id="3" name="Audio Recording 11 Jan 2021 at 16:51:07" descr="Audio Recording 11 Jan 2021 at 16:51:07">
-            <a:hlinkClick r:id="" action="ppaction://media"/>
-            <a:extLst>
-              <a:ext uri="{FF2B5EF4-FFF2-40B4-BE49-F238E27FC236}">
-                <a16:creationId xmlns:a16="http://schemas.microsoft.com/office/drawing/2014/main" id="{E5DAF00B-48A7-B84E-9212-F994F4E251BA}"/>
-              </a:ext>
-            </a:extLst>
-          </p:cNvPr>
-          <p:cNvPicPr>
-            <a:picLocks noChangeAspect="1"/>
-          </p:cNvPicPr>
-          <p:nvPr>
-            <a:audioFile r:link="rId2"/>
-            <p:extLst>
-              <p:ext uri="{DAA4B4D4-6D71-4841-9C94-3DE7FCFB9230}">
-                <p14:media xmlns:p14="http://schemas.microsoft.com/office/powerpoint/2010/main" r:embed="rId1"/>
-              </p:ext>
-            </p:extLst>
-          </p:nvPr>
-        </p:nvPicPr>
-        <p:blipFill>
-          <a:blip r:embed="rId6"/>
-          <a:stretch>
-            <a:fillRect/>
-          </a:stretch>
-        </p:blipFill>
-        <p:spPr>
-          <a:xfrm>
-            <a:off x="2435447" y="2742603"/>
-            <a:ext cx="812800" cy="812800"/>
-          </a:xfrm>
-          <a:prstGeom prst="rect">
-            <a:avLst/>
-          </a:prstGeom>
-        </p:spPr>
-      </p:pic>
       <p:sp>
         <p:nvSpPr>
           <p:cNvPr id="7" name="Title 1">
@@ -7551,90 +7513,6 @@
   <p:clrMapOvr>
     <a:masterClrMapping/>
   </p:clrMapOvr>
-  <p:timing>
-    <p:tnLst>
-      <p:par>
-        <p:cTn id="1" dur="indefinite" restart="never" nodeType="tmRoot">
-          <p:childTnLst>
-            <p:seq concurrent="1" nextAc="seek">
-              <p:cTn id="2" dur="indefinite" nodeType="mainSeq">
-                <p:childTnLst>
-                  <p:par>
-                    <p:cTn id="3" fill="hold">
-                      <p:stCondLst>
-                        <p:cond delay="indefinite"/>
-                      </p:stCondLst>
-                      <p:childTnLst>
-                        <p:par>
-                          <p:cTn id="4" fill="hold">
-                            <p:stCondLst>
-                              <p:cond delay="0"/>
-                            </p:stCondLst>
-                            <p:childTnLst>
-                              <p:par>
-                                <p:cTn id="5" presetID="1" presetClass="mediacall" presetSubtype="0" fill="hold" nodeType="clickEffect">
-                                  <p:stCondLst>
-                                    <p:cond delay="0"/>
-                                  </p:stCondLst>
-                                  <p:childTnLst>
-                                    <p:cmd type="call" cmd="playFrom(0.0)">
-                                      <p:cBhvr>
-                                        <p:cTn id="6" dur="46080" fill="hold"/>
-                                        <p:tgtEl>
-                                          <p:spTgt spid="3"/>
-                                        </p:tgtEl>
-                                      </p:cBhvr>
-                                    </p:cmd>
-                                  </p:childTnLst>
-                                </p:cTn>
-                              </p:par>
-                            </p:childTnLst>
-                          </p:cTn>
-                        </p:par>
-                      </p:childTnLst>
-                    </p:cTn>
-                  </p:par>
-                </p:childTnLst>
-              </p:cTn>
-              <p:prevCondLst>
-                <p:cond evt="onPrev" delay="0">
-                  <p:tgtEl>
-                    <p:sldTgt/>
-                  </p:tgtEl>
-                </p:cond>
-              </p:prevCondLst>
-              <p:nextCondLst>
-                <p:cond evt="onNext" delay="0">
-                  <p:tgtEl>
-                    <p:sldTgt/>
-                  </p:tgtEl>
-                </p:cond>
-              </p:nextCondLst>
-            </p:seq>
-            <p:audio>
-              <p:cMediaNode vol="80000">
-                <p:cTn id="7" fill="hold" display="0">
-                  <p:stCondLst>
-                    <p:cond delay="indefinite"/>
-                  </p:stCondLst>
-                  <p:endCondLst>
-                    <p:cond evt="onStopAudio" delay="0">
-                      <p:tgtEl>
-                        <p:sldTgt/>
-                      </p:tgtEl>
-                    </p:cond>
-                  </p:endCondLst>
-                </p:cTn>
-                <p:tgtEl>
-                  <p:spTgt spid="3"/>
-                </p:tgtEl>
-              </p:cMediaNode>
-            </p:audio>
-          </p:childTnLst>
-        </p:cTn>
-      </p:par>
-    </p:tnLst>
-  </p:timing>
 </p:sld>
 </file>
 
@@ -7732,44 +7610,6 @@
           </a:p>
         </p:txBody>
       </p:sp>
-      <p:pic>
-        <p:nvPicPr>
-          <p:cNvPr id="4" name="Audio Recording 11 Jan 2021 at 16:52:14" descr="Audio Recording 11 Jan 2021 at 16:52:14">
-            <a:hlinkClick r:id="" action="ppaction://media"/>
-            <a:extLst>
-              <a:ext uri="{FF2B5EF4-FFF2-40B4-BE49-F238E27FC236}">
-                <a16:creationId xmlns:a16="http://schemas.microsoft.com/office/drawing/2014/main" id="{2D312BDF-8851-2A4E-B272-D402D9D2BF9C}"/>
-              </a:ext>
-            </a:extLst>
-          </p:cNvPr>
-          <p:cNvPicPr>
-            <a:picLocks noChangeAspect="1"/>
-          </p:cNvPicPr>
-          <p:nvPr>
-            <a:audioFile r:link="rId2"/>
-            <p:extLst>
-              <p:ext uri="{DAA4B4D4-6D71-4841-9C94-3DE7FCFB9230}">
-                <p14:media xmlns:p14="http://schemas.microsoft.com/office/powerpoint/2010/main" r:embed="rId1"/>
-              </p:ext>
-            </p:extLst>
-          </p:nvPr>
-        </p:nvPicPr>
-        <p:blipFill>
-          <a:blip r:embed="rId4"/>
-          <a:stretch>
-            <a:fillRect/>
-          </a:stretch>
-        </p:blipFill>
-        <p:spPr>
-          <a:xfrm>
-            <a:off x="4824288" y="1979637"/>
-            <a:ext cx="812800" cy="812800"/>
-          </a:xfrm>
-          <a:prstGeom prst="rect">
-            <a:avLst/>
-          </a:prstGeom>
-        </p:spPr>
-      </p:pic>
     </p:spTree>
     <p:extLst>
       <p:ext uri="{BB962C8B-B14F-4D97-AF65-F5344CB8AC3E}">
@@ -7780,90 +7620,6 @@
   <p:clrMapOvr>
     <a:masterClrMapping/>
   </p:clrMapOvr>
-  <p:timing>
-    <p:tnLst>
-      <p:par>
-        <p:cTn id="1" dur="indefinite" restart="never" nodeType="tmRoot">
-          <p:childTnLst>
-            <p:seq concurrent="1" nextAc="seek">
-              <p:cTn id="2" dur="indefinite" nodeType="mainSeq">
-                <p:childTnLst>
-                  <p:par>
-                    <p:cTn id="3" fill="hold">
-                      <p:stCondLst>
-                        <p:cond delay="indefinite"/>
-                      </p:stCondLst>
-                      <p:childTnLst>
-                        <p:par>
-                          <p:cTn id="4" fill="hold">
-                            <p:stCondLst>
-                              <p:cond delay="0"/>
-                            </p:stCondLst>
-                            <p:childTnLst>
-                              <p:par>
-                                <p:cTn id="5" presetID="1" presetClass="mediacall" presetSubtype="0" fill="hold" nodeType="clickEffect">
-                                  <p:stCondLst>
-                                    <p:cond delay="0"/>
-                                  </p:stCondLst>
-                                  <p:childTnLst>
-                                    <p:cmd type="call" cmd="playFrom(0.0)">
-                                      <p:cBhvr>
-                                        <p:cTn id="6" dur="59648" fill="hold"/>
-                                        <p:tgtEl>
-                                          <p:spTgt spid="4"/>
-                                        </p:tgtEl>
-                                      </p:cBhvr>
-                                    </p:cmd>
-                                  </p:childTnLst>
-                                </p:cTn>
-                              </p:par>
-                            </p:childTnLst>
-                          </p:cTn>
-                        </p:par>
-                      </p:childTnLst>
-                    </p:cTn>
-                  </p:par>
-                </p:childTnLst>
-              </p:cTn>
-              <p:prevCondLst>
-                <p:cond evt="onPrev" delay="0">
-                  <p:tgtEl>
-                    <p:sldTgt/>
-                  </p:tgtEl>
-                </p:cond>
-              </p:prevCondLst>
-              <p:nextCondLst>
-                <p:cond evt="onNext" delay="0">
-                  <p:tgtEl>
-                    <p:sldTgt/>
-                  </p:tgtEl>
-                </p:cond>
-              </p:nextCondLst>
-            </p:seq>
-            <p:audio>
-              <p:cMediaNode vol="80000">
-                <p:cTn id="7" fill="hold" display="0">
-                  <p:stCondLst>
-                    <p:cond delay="indefinite"/>
-                  </p:stCondLst>
-                  <p:endCondLst>
-                    <p:cond evt="onStopAudio" delay="0">
-                      <p:tgtEl>
-                        <p:sldTgt/>
-                      </p:tgtEl>
-                    </p:cond>
-                  </p:endCondLst>
-                </p:cTn>
-                <p:tgtEl>
-                  <p:spTgt spid="4"/>
-                </p:tgtEl>
-              </p:cMediaNode>
-            </p:audio>
-          </p:childTnLst>
-        </p:cTn>
-      </p:par>
-    </p:tnLst>
-  </p:timing>
 </p:sld>
 </file>
 
@@ -7900,7 +7656,7 @@
           <a:lstStyle/>
           <a:p>
             <a:r>
-              <a:rPr lang="en-US" dirty="0"/>
+              <a:rPr lang="en-US" b="1" dirty="0"/>
               <a:t>Water limitation</a:t>
             </a:r>
           </a:p>
@@ -8004,44 +7760,6 @@
           </a:p>
         </p:txBody>
       </p:sp>
-      <p:pic>
-        <p:nvPicPr>
-          <p:cNvPr id="4" name="Audio Recording 11 Jan 2021 at 16:53:08" descr="Audio Recording 11 Jan 2021 at 16:53:08">
-            <a:hlinkClick r:id="" action="ppaction://media"/>
-            <a:extLst>
-              <a:ext uri="{FF2B5EF4-FFF2-40B4-BE49-F238E27FC236}">
-                <a16:creationId xmlns:a16="http://schemas.microsoft.com/office/drawing/2014/main" id="{3A583763-37FC-9649-938C-04E6E43AC63D}"/>
-              </a:ext>
-            </a:extLst>
-          </p:cNvPr>
-          <p:cNvPicPr>
-            <a:picLocks noChangeAspect="1"/>
-          </p:cNvPicPr>
-          <p:nvPr>
-            <a:audioFile r:link="rId2"/>
-            <p:extLst>
-              <p:ext uri="{DAA4B4D4-6D71-4841-9C94-3DE7FCFB9230}">
-                <p14:media xmlns:p14="http://schemas.microsoft.com/office/powerpoint/2010/main" r:embed="rId1"/>
-              </p:ext>
-            </p:extLst>
-          </p:nvPr>
-        </p:nvPicPr>
-        <p:blipFill>
-          <a:blip r:embed="rId4"/>
-          <a:stretch>
-            <a:fillRect/>
-          </a:stretch>
-        </p:blipFill>
-        <p:spPr>
-          <a:xfrm>
-            <a:off x="4633913" y="3373438"/>
-            <a:ext cx="812800" cy="812800"/>
-          </a:xfrm>
-          <a:prstGeom prst="rect">
-            <a:avLst/>
-          </a:prstGeom>
-        </p:spPr>
-      </p:pic>
     </p:spTree>
     <p:extLst>
       <p:ext uri="{BB962C8B-B14F-4D97-AF65-F5344CB8AC3E}">
@@ -8052,90 +7770,6 @@
   <p:clrMapOvr>
     <a:masterClrMapping/>
   </p:clrMapOvr>
-  <p:timing>
-    <p:tnLst>
-      <p:par>
-        <p:cTn id="1" dur="indefinite" restart="never" nodeType="tmRoot">
-          <p:childTnLst>
-            <p:seq concurrent="1" nextAc="seek">
-              <p:cTn id="2" dur="indefinite" nodeType="mainSeq">
-                <p:childTnLst>
-                  <p:par>
-                    <p:cTn id="3" fill="hold">
-                      <p:stCondLst>
-                        <p:cond delay="indefinite"/>
-                      </p:stCondLst>
-                      <p:childTnLst>
-                        <p:par>
-                          <p:cTn id="4" fill="hold">
-                            <p:stCondLst>
-                              <p:cond delay="0"/>
-                            </p:stCondLst>
-                            <p:childTnLst>
-                              <p:par>
-                                <p:cTn id="5" presetID="1" presetClass="mediacall" presetSubtype="0" fill="hold" nodeType="clickEffect">
-                                  <p:stCondLst>
-                                    <p:cond delay="0"/>
-                                  </p:stCondLst>
-                                  <p:childTnLst>
-                                    <p:cmd type="call" cmd="playFrom(0.0)">
-                                      <p:cBhvr>
-                                        <p:cTn id="6" dur="39360" fill="hold"/>
-                                        <p:tgtEl>
-                                          <p:spTgt spid="4"/>
-                                        </p:tgtEl>
-                                      </p:cBhvr>
-                                    </p:cmd>
-                                  </p:childTnLst>
-                                </p:cTn>
-                              </p:par>
-                            </p:childTnLst>
-                          </p:cTn>
-                        </p:par>
-                      </p:childTnLst>
-                    </p:cTn>
-                  </p:par>
-                </p:childTnLst>
-              </p:cTn>
-              <p:prevCondLst>
-                <p:cond evt="onPrev" delay="0">
-                  <p:tgtEl>
-                    <p:sldTgt/>
-                  </p:tgtEl>
-                </p:cond>
-              </p:prevCondLst>
-              <p:nextCondLst>
-                <p:cond evt="onNext" delay="0">
-                  <p:tgtEl>
-                    <p:sldTgt/>
-                  </p:tgtEl>
-                </p:cond>
-              </p:nextCondLst>
-            </p:seq>
-            <p:audio>
-              <p:cMediaNode vol="80000">
-                <p:cTn id="7" fill="hold" display="0">
-                  <p:stCondLst>
-                    <p:cond delay="indefinite"/>
-                  </p:stCondLst>
-                  <p:endCondLst>
-                    <p:cond evt="onStopAudio" delay="0">
-                      <p:tgtEl>
-                        <p:sldTgt/>
-                      </p:tgtEl>
-                    </p:cond>
-                  </p:endCondLst>
-                </p:cTn>
-                <p:tgtEl>
-                  <p:spTgt spid="4"/>
-                </p:tgtEl>
-              </p:cMediaNode>
-            </p:audio>
-          </p:childTnLst>
-        </p:cTn>
-      </p:par>
-    </p:tnLst>
-  </p:timing>
 </p:sld>
 </file>
 
@@ -8190,51 +7824,13 @@
           </p:nvPr>
         </p:nvPicPr>
         <p:blipFill>
-          <a:blip r:embed="rId5"/>
+          <a:blip r:embed="rId3"/>
           <a:srcRect l="-13292" r="-13292"/>
           <a:stretch>
             <a:fillRect/>
           </a:stretch>
         </p:blipFill>
         <p:spPr/>
-      </p:pic>
-      <p:pic>
-        <p:nvPicPr>
-          <p:cNvPr id="3" name="Audio Recording 11 Jan 2021 at 16:56:33" descr="Audio Recording 11 Jan 2021 at 16:56:33">
-            <a:hlinkClick r:id="" action="ppaction://media"/>
-            <a:extLst>
-              <a:ext uri="{FF2B5EF4-FFF2-40B4-BE49-F238E27FC236}">
-                <a16:creationId xmlns:a16="http://schemas.microsoft.com/office/drawing/2014/main" id="{1AE73D64-F6C6-C443-8052-CA8EDAEDC11F}"/>
-              </a:ext>
-            </a:extLst>
-          </p:cNvPr>
-          <p:cNvPicPr>
-            <a:picLocks noChangeAspect="1"/>
-          </p:cNvPicPr>
-          <p:nvPr>
-            <a:audioFile r:link="rId2"/>
-            <p:extLst>
-              <p:ext uri="{DAA4B4D4-6D71-4841-9C94-3DE7FCFB9230}">
-                <p14:media xmlns:p14="http://schemas.microsoft.com/office/powerpoint/2010/main" r:embed="rId1"/>
-              </p:ext>
-            </p:extLst>
-          </p:nvPr>
-        </p:nvPicPr>
-        <p:blipFill>
-          <a:blip r:embed="rId6"/>
-          <a:stretch>
-            <a:fillRect/>
-          </a:stretch>
-        </p:blipFill>
-        <p:spPr>
-          <a:xfrm>
-            <a:off x="4633913" y="3373438"/>
-            <a:ext cx="812800" cy="812800"/>
-          </a:xfrm>
-          <a:prstGeom prst="rect">
-            <a:avLst/>
-          </a:prstGeom>
-        </p:spPr>
       </p:pic>
     </p:spTree>
     <p:extLst>
@@ -8246,90 +7842,6 @@
   <p:clrMapOvr>
     <a:masterClrMapping/>
   </p:clrMapOvr>
-  <p:timing>
-    <p:tnLst>
-      <p:par>
-        <p:cTn id="1" dur="indefinite" restart="never" nodeType="tmRoot">
-          <p:childTnLst>
-            <p:seq concurrent="1" nextAc="seek">
-              <p:cTn id="2" dur="indefinite" nodeType="mainSeq">
-                <p:childTnLst>
-                  <p:par>
-                    <p:cTn id="3" fill="hold">
-                      <p:stCondLst>
-                        <p:cond delay="indefinite"/>
-                      </p:stCondLst>
-                      <p:childTnLst>
-                        <p:par>
-                          <p:cTn id="4" fill="hold">
-                            <p:stCondLst>
-                              <p:cond delay="0"/>
-                            </p:stCondLst>
-                            <p:childTnLst>
-                              <p:par>
-                                <p:cTn id="5" presetID="1" presetClass="mediacall" presetSubtype="0" fill="hold" nodeType="clickEffect">
-                                  <p:stCondLst>
-                                    <p:cond delay="0"/>
-                                  </p:stCondLst>
-                                  <p:childTnLst>
-                                    <p:cmd type="call" cmd="playFrom(0.0)">
-                                      <p:cBhvr>
-                                        <p:cTn id="6" dur="41536" fill="hold"/>
-                                        <p:tgtEl>
-                                          <p:spTgt spid="3"/>
-                                        </p:tgtEl>
-                                      </p:cBhvr>
-                                    </p:cmd>
-                                  </p:childTnLst>
-                                </p:cTn>
-                              </p:par>
-                            </p:childTnLst>
-                          </p:cTn>
-                        </p:par>
-                      </p:childTnLst>
-                    </p:cTn>
-                  </p:par>
-                </p:childTnLst>
-              </p:cTn>
-              <p:prevCondLst>
-                <p:cond evt="onPrev" delay="0">
-                  <p:tgtEl>
-                    <p:sldTgt/>
-                  </p:tgtEl>
-                </p:cond>
-              </p:prevCondLst>
-              <p:nextCondLst>
-                <p:cond evt="onNext" delay="0">
-                  <p:tgtEl>
-                    <p:sldTgt/>
-                  </p:tgtEl>
-                </p:cond>
-              </p:nextCondLst>
-            </p:seq>
-            <p:audio>
-              <p:cMediaNode vol="80000">
-                <p:cTn id="7" fill="hold" display="0">
-                  <p:stCondLst>
-                    <p:cond delay="indefinite"/>
-                  </p:stCondLst>
-                  <p:endCondLst>
-                    <p:cond evt="onStopAudio" delay="0">
-                      <p:tgtEl>
-                        <p:sldTgt/>
-                      </p:tgtEl>
-                    </p:cond>
-                  </p:endCondLst>
-                </p:cTn>
-                <p:tgtEl>
-                  <p:spTgt spid="3"/>
-                </p:tgtEl>
-              </p:cMediaNode>
-            </p:audio>
-          </p:childTnLst>
-        </p:cTn>
-      </p:par>
-    </p:tnLst>
-  </p:timing>
 </p:sld>
 </file>
 

--- a/docs/ppt/GEOG0113-004.pptx
+++ b/docs/ppt/GEOG0113-004.pptx
@@ -5527,16 +5527,24 @@
             <a:pPr eaLnBrk="1"/>
             <a:r>
               <a:rPr lang="en-GB" b="1" dirty="0"/>
+              <a:t>M. </a:t>
+            </a:r>
+            <a:r>
+              <a:rPr lang="en-GB" b="1" dirty="0" err="1"/>
+              <a:t>Mokroš</a:t>
+            </a:r>
+            <a:endParaRPr lang="en-GB" b="1" dirty="0"/>
+          </a:p>
+          <a:p>
+            <a:pPr eaLnBrk="1"/>
+            <a:r>
+              <a:rPr lang="en-GB" b="1" dirty="0"/>
               <a:t>H. </a:t>
             </a:r>
             <a:r>
               <a:rPr lang="en-GB" b="1" dirty="0" err="1"/>
               <a:t>Heorton</a:t>
             </a:r>
-            <a:endParaRPr lang="en-GB" b="1" dirty="0"/>
-          </a:p>
-          <a:p>
-            <a:pPr eaLnBrk="1"/>
             <a:endParaRPr lang="en-GB" b="1" dirty="0"/>
           </a:p>
           <a:p>
